--- a/Mobx.pptx
+++ b/Mobx.pptx
@@ -16,8 +16,9 @@
     <p:sldId id="265" r:id="rId10"/>
     <p:sldId id="266" r:id="rId11"/>
     <p:sldId id="267" r:id="rId12"/>
-    <p:sldId id="260" r:id="rId13"/>
-    <p:sldId id="268" r:id="rId14"/>
+    <p:sldId id="269" r:id="rId13"/>
+    <p:sldId id="260" r:id="rId14"/>
+    <p:sldId id="268" r:id="rId15"/>
   </p:sldIdLst>
   <p:sldSz cx="9144000" cy="6858000" type="screen4x3"/>
   <p:notesSz cx="6858000" cy="9144000"/>
@@ -300,6 +301,7 @@
           <a:p>
             <a:fld id="{DBB08D53-4ABF-4AF3-A3B7-B1E54BA58D8E}" type="datetimeFigureOut">
               <a:rPr lang="zh-CN" altLang="en-US" smtClean="0"/>
+              <a:pPr/>
               <a:t>2020/5/30</a:t>
             </a:fld>
             <a:endParaRPr lang="zh-CN" altLang="en-US"/>
@@ -342,6 +344,7 @@
           <a:p>
             <a:fld id="{582AF92A-A5CD-4E30-9F4B-ADC226CDF457}" type="slidenum">
               <a:rPr lang="zh-CN" altLang="en-US" smtClean="0"/>
+              <a:pPr/>
               <a:t>‹#›</a:t>
             </a:fld>
             <a:endParaRPr lang="zh-CN" altLang="en-US"/>
@@ -465,6 +468,7 @@
           <a:p>
             <a:fld id="{DBB08D53-4ABF-4AF3-A3B7-B1E54BA58D8E}" type="datetimeFigureOut">
               <a:rPr lang="zh-CN" altLang="en-US" smtClean="0"/>
+              <a:pPr/>
               <a:t>2020/5/30</a:t>
             </a:fld>
             <a:endParaRPr lang="zh-CN" altLang="en-US"/>
@@ -507,6 +511,7 @@
           <a:p>
             <a:fld id="{582AF92A-A5CD-4E30-9F4B-ADC226CDF457}" type="slidenum">
               <a:rPr lang="zh-CN" altLang="en-US" smtClean="0"/>
+              <a:pPr/>
               <a:t>‹#›</a:t>
             </a:fld>
             <a:endParaRPr lang="zh-CN" altLang="en-US"/>
@@ -640,6 +645,7 @@
           <a:p>
             <a:fld id="{DBB08D53-4ABF-4AF3-A3B7-B1E54BA58D8E}" type="datetimeFigureOut">
               <a:rPr lang="zh-CN" altLang="en-US" smtClean="0"/>
+              <a:pPr/>
               <a:t>2020/5/30</a:t>
             </a:fld>
             <a:endParaRPr lang="zh-CN" altLang="en-US"/>
@@ -682,6 +688,7 @@
           <a:p>
             <a:fld id="{582AF92A-A5CD-4E30-9F4B-ADC226CDF457}" type="slidenum">
               <a:rPr lang="zh-CN" altLang="en-US" smtClean="0"/>
+              <a:pPr/>
               <a:t>‹#›</a:t>
             </a:fld>
             <a:endParaRPr lang="zh-CN" altLang="en-US"/>
@@ -805,6 +812,7 @@
           <a:p>
             <a:fld id="{DBB08D53-4ABF-4AF3-A3B7-B1E54BA58D8E}" type="datetimeFigureOut">
               <a:rPr lang="zh-CN" altLang="en-US" smtClean="0"/>
+              <a:pPr/>
               <a:t>2020/5/30</a:t>
             </a:fld>
             <a:endParaRPr lang="zh-CN" altLang="en-US"/>
@@ -847,6 +855,7 @@
           <a:p>
             <a:fld id="{582AF92A-A5CD-4E30-9F4B-ADC226CDF457}" type="slidenum">
               <a:rPr lang="zh-CN" altLang="en-US" smtClean="0"/>
+              <a:pPr/>
               <a:t>‹#›</a:t>
             </a:fld>
             <a:endParaRPr lang="zh-CN" altLang="en-US"/>
@@ -1046,6 +1055,7 @@
           <a:p>
             <a:fld id="{DBB08D53-4ABF-4AF3-A3B7-B1E54BA58D8E}" type="datetimeFigureOut">
               <a:rPr lang="zh-CN" altLang="en-US" smtClean="0"/>
+              <a:pPr/>
               <a:t>2020/5/30</a:t>
             </a:fld>
             <a:endParaRPr lang="zh-CN" altLang="en-US"/>
@@ -1088,6 +1098,7 @@
           <a:p>
             <a:fld id="{582AF92A-A5CD-4E30-9F4B-ADC226CDF457}" type="slidenum">
               <a:rPr lang="zh-CN" altLang="en-US" smtClean="0"/>
+              <a:pPr/>
               <a:t>‹#›</a:t>
             </a:fld>
             <a:endParaRPr lang="zh-CN" altLang="en-US"/>
@@ -1329,6 +1340,7 @@
           <a:p>
             <a:fld id="{DBB08D53-4ABF-4AF3-A3B7-B1E54BA58D8E}" type="datetimeFigureOut">
               <a:rPr lang="zh-CN" altLang="en-US" smtClean="0"/>
+              <a:pPr/>
               <a:t>2020/5/30</a:t>
             </a:fld>
             <a:endParaRPr lang="zh-CN" altLang="en-US"/>
@@ -1371,6 +1383,7 @@
           <a:p>
             <a:fld id="{582AF92A-A5CD-4E30-9F4B-ADC226CDF457}" type="slidenum">
               <a:rPr lang="zh-CN" altLang="en-US" smtClean="0"/>
+              <a:pPr/>
               <a:t>‹#›</a:t>
             </a:fld>
             <a:endParaRPr lang="zh-CN" altLang="en-US"/>
@@ -1746,6 +1759,7 @@
           <a:p>
             <a:fld id="{DBB08D53-4ABF-4AF3-A3B7-B1E54BA58D8E}" type="datetimeFigureOut">
               <a:rPr lang="zh-CN" altLang="en-US" smtClean="0"/>
+              <a:pPr/>
               <a:t>2020/5/30</a:t>
             </a:fld>
             <a:endParaRPr lang="zh-CN" altLang="en-US"/>
@@ -1788,6 +1802,7 @@
           <a:p>
             <a:fld id="{582AF92A-A5CD-4E30-9F4B-ADC226CDF457}" type="slidenum">
               <a:rPr lang="zh-CN" altLang="en-US" smtClean="0"/>
+              <a:pPr/>
               <a:t>‹#›</a:t>
             </a:fld>
             <a:endParaRPr lang="zh-CN" altLang="en-US"/>
@@ -1859,6 +1874,7 @@
           <a:p>
             <a:fld id="{DBB08D53-4ABF-4AF3-A3B7-B1E54BA58D8E}" type="datetimeFigureOut">
               <a:rPr lang="zh-CN" altLang="en-US" smtClean="0"/>
+              <a:pPr/>
               <a:t>2020/5/30</a:t>
             </a:fld>
             <a:endParaRPr lang="zh-CN" altLang="en-US"/>
@@ -1901,6 +1917,7 @@
           <a:p>
             <a:fld id="{582AF92A-A5CD-4E30-9F4B-ADC226CDF457}" type="slidenum">
               <a:rPr lang="zh-CN" altLang="en-US" smtClean="0"/>
+              <a:pPr/>
               <a:t>‹#›</a:t>
             </a:fld>
             <a:endParaRPr lang="zh-CN" altLang="en-US"/>
@@ -1949,6 +1966,7 @@
           <a:p>
             <a:fld id="{DBB08D53-4ABF-4AF3-A3B7-B1E54BA58D8E}" type="datetimeFigureOut">
               <a:rPr lang="zh-CN" altLang="en-US" smtClean="0"/>
+              <a:pPr/>
               <a:t>2020/5/30</a:t>
             </a:fld>
             <a:endParaRPr lang="zh-CN" altLang="en-US"/>
@@ -1991,6 +2009,7 @@
           <a:p>
             <a:fld id="{582AF92A-A5CD-4E30-9F4B-ADC226CDF457}" type="slidenum">
               <a:rPr lang="zh-CN" altLang="en-US" smtClean="0"/>
+              <a:pPr/>
               <a:t>‹#›</a:t>
             </a:fld>
             <a:endParaRPr lang="zh-CN" altLang="en-US"/>
@@ -2221,6 +2240,7 @@
           <a:p>
             <a:fld id="{DBB08D53-4ABF-4AF3-A3B7-B1E54BA58D8E}" type="datetimeFigureOut">
               <a:rPr lang="zh-CN" altLang="en-US" smtClean="0"/>
+              <a:pPr/>
               <a:t>2020/5/30</a:t>
             </a:fld>
             <a:endParaRPr lang="zh-CN" altLang="en-US"/>
@@ -2263,6 +2283,7 @@
           <a:p>
             <a:fld id="{582AF92A-A5CD-4E30-9F4B-ADC226CDF457}" type="slidenum">
               <a:rPr lang="zh-CN" altLang="en-US" smtClean="0"/>
+              <a:pPr/>
               <a:t>‹#›</a:t>
             </a:fld>
             <a:endParaRPr lang="zh-CN" altLang="en-US"/>
@@ -2469,6 +2490,7 @@
           <a:p>
             <a:fld id="{DBB08D53-4ABF-4AF3-A3B7-B1E54BA58D8E}" type="datetimeFigureOut">
               <a:rPr lang="zh-CN" altLang="en-US" smtClean="0"/>
+              <a:pPr/>
               <a:t>2020/5/30</a:t>
             </a:fld>
             <a:endParaRPr lang="zh-CN" altLang="en-US"/>
@@ -2511,6 +2533,7 @@
           <a:p>
             <a:fld id="{582AF92A-A5CD-4E30-9F4B-ADC226CDF457}" type="slidenum">
               <a:rPr lang="zh-CN" altLang="en-US" smtClean="0"/>
+              <a:pPr/>
               <a:t>‹#›</a:t>
             </a:fld>
             <a:endParaRPr lang="zh-CN" altLang="en-US"/>
@@ -2677,6 +2700,7 @@
           <a:p>
             <a:fld id="{DBB08D53-4ABF-4AF3-A3B7-B1E54BA58D8E}" type="datetimeFigureOut">
               <a:rPr lang="zh-CN" altLang="en-US" smtClean="0"/>
+              <a:pPr/>
               <a:t>2020/5/30</a:t>
             </a:fld>
             <a:endParaRPr lang="zh-CN" altLang="en-US"/>
@@ -2755,6 +2779,7 @@
           <a:p>
             <a:fld id="{582AF92A-A5CD-4E30-9F4B-ADC226CDF457}" type="slidenum">
               <a:rPr lang="zh-CN" altLang="en-US" smtClean="0"/>
+              <a:pPr/>
               <a:t>‹#›</a:t>
             </a:fld>
             <a:endParaRPr lang="zh-CN" altLang="en-US"/>
@@ -3814,61 +3839,97 @@
           <a:lstStyle/>
           <a:p>
             <a:r>
-              <a:rPr lang="en-US" altLang="zh-CN" dirty="0" err="1" smtClean="0"/>
-              <a:t>Mobx</a:t>
-            </a:r>
-            <a:r>
-              <a:rPr lang="en-US" altLang="zh-CN" dirty="0" smtClean="0"/>
+              <a:rPr lang="zh-CN" altLang="en-US" dirty="0" smtClean="0"/>
+              <a:t>严格模式</a:t>
+            </a:r>
+            <a:endParaRPr lang="zh-CN" altLang="en-US" dirty="0"/>
+          </a:p>
+        </p:txBody>
+      </p:sp>
+      <p:sp>
+        <p:nvSpPr>
+          <p:cNvPr id="3" name="内容占位符 2"/>
+          <p:cNvSpPr>
+            <a:spLocks noGrp="1"/>
+          </p:cNvSpPr>
+          <p:nvPr>
+            <p:ph idx="1"/>
+          </p:nvPr>
+        </p:nvSpPr>
+        <p:spPr/>
+        <p:txBody>
+          <a:bodyPr>
+            <a:normAutofit/>
+          </a:bodyPr>
+          <a:lstStyle/>
+          <a:p>
+            <a:pPr>
+              <a:buNone/>
+            </a:pPr>
+            <a:r>
+              <a:rPr lang="en-US" altLang="zh-CN" sz="2000" dirty="0" smtClean="0"/>
+              <a:t>// </a:t>
+            </a:r>
+            <a:r>
+              <a:rPr lang="zh-CN" altLang="en-US" sz="2000" dirty="0" smtClean="0"/>
+              <a:t>不允许在动作之外进行状态</a:t>
+            </a:r>
+            <a:r>
+              <a:rPr lang="zh-CN" altLang="en-US" sz="2000" dirty="0" smtClean="0"/>
+              <a:t>修改</a:t>
+            </a:r>
+            <a:endParaRPr lang="en-US" altLang="zh-CN" sz="2000" dirty="0" smtClean="0"/>
+          </a:p>
+          <a:p>
+            <a:pPr>
+              <a:buNone/>
+            </a:pPr>
+            <a:r>
+              <a:rPr lang="zh-CN" altLang="en-US" sz="2000" dirty="0" smtClean="0"/>
               <a:t> </a:t>
             </a:r>
             <a:r>
-              <a:rPr lang="zh-CN" altLang="en-US" dirty="0" smtClean="0"/>
-              <a:t>的应用</a:t>
-            </a:r>
-            <a:r>
-              <a:rPr lang="en-US" altLang="zh-CN" dirty="0" smtClean="0"/>
-              <a:t>mob-react</a:t>
-            </a:r>
-            <a:endParaRPr lang="zh-CN" altLang="en-US" dirty="0"/>
-          </a:p>
-        </p:txBody>
-      </p:sp>
-      <p:sp>
-        <p:nvSpPr>
-          <p:cNvPr id="3" name="内容占位符 2"/>
-          <p:cNvSpPr>
-            <a:spLocks noGrp="1"/>
-          </p:cNvSpPr>
-          <p:nvPr>
-            <p:ph idx="1"/>
-          </p:nvPr>
-        </p:nvSpPr>
-        <p:spPr/>
-        <p:txBody>
-          <a:bodyPr/>
-          <a:lstStyle/>
-          <a:p>
-            <a:r>
-              <a:rPr lang="zh-CN" altLang="en-US" dirty="0" smtClean="0"/>
-              <a:t>将组件转换对可观察的数据做出反应，将</a:t>
-            </a:r>
-            <a:r>
-              <a:rPr lang="zh-CN" altLang="en-US" dirty="0"/>
-              <a:t>组件</a:t>
-            </a:r>
-            <a:r>
-              <a:rPr lang="zh-CN" altLang="en-US" dirty="0" smtClean="0"/>
-              <a:t>封装成</a:t>
-            </a:r>
-            <a:r>
-              <a:rPr lang="en-US" altLang="zh-CN" dirty="0" err="1" smtClean="0"/>
-              <a:t>autorun</a:t>
-            </a:r>
-            <a:r>
-              <a:rPr lang="zh-CN" altLang="en-US" dirty="0" smtClean="0"/>
-              <a:t>，即可自动作出反应</a:t>
-            </a:r>
-            <a:endParaRPr lang="zh-CN" altLang="en-US" dirty="0"/>
+              <a:rPr lang="en-US" altLang="zh-CN" sz="2000" dirty="0" err="1" smtClean="0"/>
+              <a:t>mobx.configure</a:t>
+            </a:r>
+            <a:r>
+              <a:rPr lang="en-US" altLang="zh-CN" sz="2000" dirty="0" smtClean="0"/>
+              <a:t>({ </a:t>
+            </a:r>
+            <a:r>
+              <a:rPr lang="en-US" altLang="zh-CN" sz="2000" dirty="0" err="1" smtClean="0"/>
+              <a:t>enforceActions</a:t>
+            </a:r>
+            <a:r>
+              <a:rPr lang="en-US" altLang="zh-CN" sz="2000" dirty="0" smtClean="0"/>
+              <a:t>: "observed</a:t>
+            </a:r>
+            <a:r>
+              <a:rPr lang="en-US" altLang="zh-CN" sz="2000" dirty="0" smtClean="0"/>
+              <a:t>"})</a:t>
+            </a:r>
+          </a:p>
+          <a:p>
+            <a:pPr>
+              <a:buNone/>
+            </a:pPr>
+            <a:endParaRPr lang="en-US" altLang="zh-CN" sz="2000" dirty="0" smtClean="0"/>
+          </a:p>
+          <a:p>
+            <a:pPr>
+              <a:buNone/>
+            </a:pPr>
+            <a:r>
+              <a:rPr lang="zh-CN" altLang="en-US" sz="2000" dirty="0" smtClean="0"/>
+              <a:t>参考文档地址：</a:t>
+            </a:r>
+            <a:r>
+              <a:rPr lang="en-US" sz="2000" smtClean="0">
+                <a:hlinkClick r:id="rId2"/>
+              </a:rPr>
+              <a:t>https://cn.mobx.js.org/refguide/api.html</a:t>
+            </a:r>
+            <a:endParaRPr lang="zh-CN" altLang="en-US" sz="2000" dirty="0"/>
           </a:p>
         </p:txBody>
       </p:sp>
@@ -3913,6 +3974,105 @@
           <a:lstStyle/>
           <a:p>
             <a:r>
+              <a:rPr lang="en-US" altLang="zh-CN" dirty="0" err="1" smtClean="0"/>
+              <a:t>Mobx</a:t>
+            </a:r>
+            <a:r>
+              <a:rPr lang="en-US" altLang="zh-CN" dirty="0" smtClean="0"/>
+              <a:t> </a:t>
+            </a:r>
+            <a:r>
+              <a:rPr lang="zh-CN" altLang="en-US" dirty="0" smtClean="0"/>
+              <a:t>的应用</a:t>
+            </a:r>
+            <a:r>
+              <a:rPr lang="en-US" altLang="zh-CN" dirty="0" smtClean="0"/>
+              <a:t>mob-react</a:t>
+            </a:r>
+            <a:endParaRPr lang="zh-CN" altLang="en-US" dirty="0"/>
+          </a:p>
+        </p:txBody>
+      </p:sp>
+      <p:sp>
+        <p:nvSpPr>
+          <p:cNvPr id="3" name="内容占位符 2"/>
+          <p:cNvSpPr>
+            <a:spLocks noGrp="1"/>
+          </p:cNvSpPr>
+          <p:nvPr>
+            <p:ph idx="1"/>
+          </p:nvPr>
+        </p:nvSpPr>
+        <p:spPr/>
+        <p:txBody>
+          <a:bodyPr/>
+          <a:lstStyle/>
+          <a:p>
+            <a:r>
+              <a:rPr lang="zh-CN" altLang="en-US" dirty="0" smtClean="0"/>
+              <a:t>将组件转换对可观察的数据做出反应，将</a:t>
+            </a:r>
+            <a:r>
+              <a:rPr lang="zh-CN" altLang="en-US" dirty="0"/>
+              <a:t>组件</a:t>
+            </a:r>
+            <a:r>
+              <a:rPr lang="zh-CN" altLang="en-US" dirty="0" smtClean="0"/>
+              <a:t>封装成</a:t>
+            </a:r>
+            <a:r>
+              <a:rPr lang="en-US" altLang="zh-CN" dirty="0" err="1" smtClean="0"/>
+              <a:t>autorun</a:t>
+            </a:r>
+            <a:r>
+              <a:rPr lang="zh-CN" altLang="en-US" dirty="0" smtClean="0"/>
+              <a:t>，即可自动作出反应</a:t>
+            </a:r>
+            <a:endParaRPr lang="zh-CN" altLang="en-US" dirty="0"/>
+          </a:p>
+        </p:txBody>
+      </p:sp>
+    </p:spTree>
+  </p:cSld>
+  <p:clrMapOvr>
+    <a:masterClrMapping/>
+  </p:clrMapOvr>
+</p:sld>
+</file>
+
+<file path=ppt/slides/slide14.xml><?xml version="1.0" encoding="utf-8"?>
+<p:sld xmlns:a="http://schemas.openxmlformats.org/drawingml/2006/main" xmlns:r="http://schemas.openxmlformats.org/officeDocument/2006/relationships" xmlns:p="http://schemas.openxmlformats.org/presentationml/2006/main">
+  <p:cSld>
+    <p:spTree>
+      <p:nvGrpSpPr>
+        <p:cNvPr id="1" name=""/>
+        <p:cNvGrpSpPr/>
+        <p:nvPr/>
+      </p:nvGrpSpPr>
+      <p:grpSpPr>
+        <a:xfrm>
+          <a:off x="0" y="0"/>
+          <a:ext cx="0" cy="0"/>
+          <a:chOff x="0" y="0"/>
+          <a:chExt cx="0" cy="0"/>
+        </a:xfrm>
+      </p:grpSpPr>
+      <p:sp>
+        <p:nvSpPr>
+          <p:cNvPr id="2" name="标题 1"/>
+          <p:cNvSpPr>
+            <a:spLocks noGrp="1"/>
+          </p:cNvSpPr>
+          <p:nvPr>
+            <p:ph type="title"/>
+          </p:nvPr>
+        </p:nvSpPr>
+        <p:spPr/>
+        <p:txBody>
+          <a:bodyPr/>
+          <a:lstStyle/>
+          <a:p>
+            <a:r>
               <a:rPr lang="zh-CN" altLang="en-US" dirty="0" smtClean="0"/>
               <a:t>实现</a:t>
             </a:r>
@@ -4191,11 +4351,7 @@
             </a:r>
             <a:r>
               <a:rPr lang="en-US" altLang="zh-CN" sz="1600" dirty="0" smtClean="0"/>
-              <a:t>observable</a:t>
-            </a:r>
-            <a:r>
-              <a:rPr lang="en-US" altLang="zh-CN" sz="1600" dirty="0" smtClean="0"/>
-              <a:t>.box </a:t>
+              <a:t>observable.box </a:t>
             </a:r>
             <a:r>
               <a:rPr lang="zh-CN" altLang="en-US" sz="1600" dirty="0" smtClean="0"/>
@@ -4289,11 +4445,7 @@
             </a:r>
             <a:r>
               <a:rPr lang="en-US" altLang="zh-CN" sz="1600" dirty="0" err="1" smtClean="0"/>
-              <a:t>arr</a:t>
-            </a:r>
-            <a:r>
-              <a:rPr lang="en-US" altLang="zh-CN" sz="1600" dirty="0" err="1" smtClean="0"/>
-              <a:t>,Array.isArray</a:t>
+              <a:t>arr,Array.isArray</a:t>
             </a:r>
             <a:r>
               <a:rPr lang="en-US" altLang="zh-CN" sz="1600" dirty="0" smtClean="0"/>
@@ -4305,24 +4457,16 @@
             </a:r>
             <a:r>
               <a:rPr lang="en-US" altLang="zh-CN" sz="1600" dirty="0" smtClean="0"/>
-              <a:t>)</a:t>
-            </a:r>
+              <a:t>))</a:t>
+            </a:r>
+          </a:p>
+          <a:p>
+            <a:pPr lvl="1">
+              <a:buNone/>
+            </a:pPr>
             <a:r>
               <a:rPr lang="en-US" altLang="zh-CN" sz="1600" dirty="0" smtClean="0"/>
-              <a:t>)</a:t>
-            </a:r>
-          </a:p>
-          <a:p>
-            <a:pPr lvl="1">
-              <a:buNone/>
-            </a:pPr>
-            <a:r>
-              <a:rPr lang="en-US" altLang="zh-CN" sz="1600" dirty="0" smtClean="0"/>
-              <a:t>	</a:t>
-            </a:r>
-            <a:r>
-              <a:rPr lang="en-US" altLang="zh-CN" sz="1600" dirty="0" smtClean="0"/>
-              <a:t>//</a:t>
+              <a:t>	//</a:t>
             </a:r>
             <a:r>
               <a:rPr lang="zh-CN" altLang="en-US" sz="1600" dirty="0" smtClean="0"/>

--- a/Mobx.pptx
+++ b/Mobx.pptx
@@ -302,7 +302,7 @@
             <a:fld id="{DBB08D53-4ABF-4AF3-A3B7-B1E54BA58D8E}" type="datetimeFigureOut">
               <a:rPr lang="zh-CN" altLang="en-US" smtClean="0"/>
               <a:pPr/>
-              <a:t>2020/5/30</a:t>
+              <a:t>2020/5/31</a:t>
             </a:fld>
             <a:endParaRPr lang="zh-CN" altLang="en-US"/>
           </a:p>
@@ -469,7 +469,7 @@
             <a:fld id="{DBB08D53-4ABF-4AF3-A3B7-B1E54BA58D8E}" type="datetimeFigureOut">
               <a:rPr lang="zh-CN" altLang="en-US" smtClean="0"/>
               <a:pPr/>
-              <a:t>2020/5/30</a:t>
+              <a:t>2020/5/31</a:t>
             </a:fld>
             <a:endParaRPr lang="zh-CN" altLang="en-US"/>
           </a:p>
@@ -646,7 +646,7 @@
             <a:fld id="{DBB08D53-4ABF-4AF3-A3B7-B1E54BA58D8E}" type="datetimeFigureOut">
               <a:rPr lang="zh-CN" altLang="en-US" smtClean="0"/>
               <a:pPr/>
-              <a:t>2020/5/30</a:t>
+              <a:t>2020/5/31</a:t>
             </a:fld>
             <a:endParaRPr lang="zh-CN" altLang="en-US"/>
           </a:p>
@@ -813,7 +813,7 @@
             <a:fld id="{DBB08D53-4ABF-4AF3-A3B7-B1E54BA58D8E}" type="datetimeFigureOut">
               <a:rPr lang="zh-CN" altLang="en-US" smtClean="0"/>
               <a:pPr/>
-              <a:t>2020/5/30</a:t>
+              <a:t>2020/5/31</a:t>
             </a:fld>
             <a:endParaRPr lang="zh-CN" altLang="en-US"/>
           </a:p>
@@ -1056,7 +1056,7 @@
             <a:fld id="{DBB08D53-4ABF-4AF3-A3B7-B1E54BA58D8E}" type="datetimeFigureOut">
               <a:rPr lang="zh-CN" altLang="en-US" smtClean="0"/>
               <a:pPr/>
-              <a:t>2020/5/30</a:t>
+              <a:t>2020/5/31</a:t>
             </a:fld>
             <a:endParaRPr lang="zh-CN" altLang="en-US"/>
           </a:p>
@@ -1341,7 +1341,7 @@
             <a:fld id="{DBB08D53-4ABF-4AF3-A3B7-B1E54BA58D8E}" type="datetimeFigureOut">
               <a:rPr lang="zh-CN" altLang="en-US" smtClean="0"/>
               <a:pPr/>
-              <a:t>2020/5/30</a:t>
+              <a:t>2020/5/31</a:t>
             </a:fld>
             <a:endParaRPr lang="zh-CN" altLang="en-US"/>
           </a:p>
@@ -1760,7 +1760,7 @@
             <a:fld id="{DBB08D53-4ABF-4AF3-A3B7-B1E54BA58D8E}" type="datetimeFigureOut">
               <a:rPr lang="zh-CN" altLang="en-US" smtClean="0"/>
               <a:pPr/>
-              <a:t>2020/5/30</a:t>
+              <a:t>2020/5/31</a:t>
             </a:fld>
             <a:endParaRPr lang="zh-CN" altLang="en-US"/>
           </a:p>
@@ -1875,7 +1875,7 @@
             <a:fld id="{DBB08D53-4ABF-4AF3-A3B7-B1E54BA58D8E}" type="datetimeFigureOut">
               <a:rPr lang="zh-CN" altLang="en-US" smtClean="0"/>
               <a:pPr/>
-              <a:t>2020/5/30</a:t>
+              <a:t>2020/5/31</a:t>
             </a:fld>
             <a:endParaRPr lang="zh-CN" altLang="en-US"/>
           </a:p>
@@ -1967,7 +1967,7 @@
             <a:fld id="{DBB08D53-4ABF-4AF3-A3B7-B1E54BA58D8E}" type="datetimeFigureOut">
               <a:rPr lang="zh-CN" altLang="en-US" smtClean="0"/>
               <a:pPr/>
-              <a:t>2020/5/30</a:t>
+              <a:t>2020/5/31</a:t>
             </a:fld>
             <a:endParaRPr lang="zh-CN" altLang="en-US"/>
           </a:p>
@@ -2241,7 +2241,7 @@
             <a:fld id="{DBB08D53-4ABF-4AF3-A3B7-B1E54BA58D8E}" type="datetimeFigureOut">
               <a:rPr lang="zh-CN" altLang="en-US" smtClean="0"/>
               <a:pPr/>
-              <a:t>2020/5/30</a:t>
+              <a:t>2020/5/31</a:t>
             </a:fld>
             <a:endParaRPr lang="zh-CN" altLang="en-US"/>
           </a:p>
@@ -2491,7 +2491,7 @@
             <a:fld id="{DBB08D53-4ABF-4AF3-A3B7-B1E54BA58D8E}" type="datetimeFigureOut">
               <a:rPr lang="zh-CN" altLang="en-US" smtClean="0"/>
               <a:pPr/>
-              <a:t>2020/5/30</a:t>
+              <a:t>2020/5/31</a:t>
             </a:fld>
             <a:endParaRPr lang="zh-CN" altLang="en-US"/>
           </a:p>
@@ -2701,7 +2701,7 @@
             <a:fld id="{DBB08D53-4ABF-4AF3-A3B7-B1E54BA58D8E}" type="datetimeFigureOut">
               <a:rPr lang="zh-CN" altLang="en-US" smtClean="0"/>
               <a:pPr/>
-              <a:t>2020/5/30</a:t>
+              <a:t>2020/5/31</a:t>
             </a:fld>
             <a:endParaRPr lang="zh-CN" altLang="en-US"/>
           </a:p>
@@ -3872,11 +3872,7 @@
             </a:r>
             <a:r>
               <a:rPr lang="zh-CN" altLang="en-US" sz="2000" dirty="0" smtClean="0"/>
-              <a:t>不允许在动作之外进行状态</a:t>
-            </a:r>
-            <a:r>
-              <a:rPr lang="zh-CN" altLang="en-US" sz="2000" dirty="0" smtClean="0"/>
-              <a:t>修改</a:t>
+              <a:t>不允许在动作之外进行状态修改</a:t>
             </a:r>
             <a:endParaRPr lang="en-US" altLang="zh-CN" sz="2000" dirty="0" smtClean="0"/>
           </a:p>
@@ -3902,11 +3898,7 @@
             </a:r>
             <a:r>
               <a:rPr lang="en-US" altLang="zh-CN" sz="2000" dirty="0" smtClean="0"/>
-              <a:t>: "observed</a:t>
-            </a:r>
-            <a:r>
-              <a:rPr lang="en-US" altLang="zh-CN" sz="2000" dirty="0" smtClean="0"/>
-              <a:t>"})</a:t>
+              <a:t>: "observed"})</a:t>
             </a:r>
           </a:p>
           <a:p>
@@ -4074,11 +4066,15 @@
           <a:p>
             <a:r>
               <a:rPr lang="zh-CN" altLang="en-US" dirty="0" smtClean="0"/>
-              <a:t>实现</a:t>
+              <a:t>与</a:t>
             </a:r>
             <a:r>
               <a:rPr lang="en-US" altLang="zh-CN" dirty="0" err="1" smtClean="0"/>
-              <a:t>todolist</a:t>
+              <a:t>redux</a:t>
+            </a:r>
+            <a:r>
+              <a:rPr lang="zh-CN" altLang="en-US" smtClean="0"/>
+              <a:t>比较</a:t>
             </a:r>
             <a:endParaRPr lang="zh-CN" altLang="en-US" dirty="0"/>
           </a:p>
@@ -4819,10 +4815,6 @@
             <a:r>
               <a:rPr lang="en-US" altLang="zh-CN" dirty="0" smtClean="0"/>
               <a:t>Observable </a:t>
-            </a:r>
-            <a:r>
-              <a:rPr lang="zh-CN" altLang="en-US" dirty="0" smtClean="0"/>
-              <a:t>注解</a:t>
             </a:r>
             <a:endParaRPr lang="zh-CN" altLang="en-US" dirty="0"/>
           </a:p>

--- a/Mobx.pptx
+++ b/Mobx.pptx
@@ -18,7 +18,7 @@
     <p:sldId id="267" r:id="rId12"/>
     <p:sldId id="269" r:id="rId13"/>
     <p:sldId id="260" r:id="rId14"/>
-    <p:sldId id="268" r:id="rId15"/>
+    <p:sldId id="270" r:id="rId15"/>
   </p:sldIdLst>
   <p:sldSz cx="9144000" cy="6858000" type="screen4x3"/>
   <p:notesSz cx="6858000" cy="9144000"/>
@@ -4073,7 +4073,7 @@
               <a:t>redux</a:t>
             </a:r>
             <a:r>
-              <a:rPr lang="zh-CN" altLang="en-US" smtClean="0"/>
+              <a:rPr lang="zh-CN" altLang="en-US" dirty="0" smtClean="0"/>
               <a:t>比较</a:t>
             </a:r>
             <a:endParaRPr lang="zh-CN" altLang="en-US" dirty="0"/>
@@ -4092,10 +4092,99 @@
         </p:nvSpPr>
         <p:spPr/>
         <p:txBody>
-          <a:bodyPr/>
-          <a:lstStyle/>
-          <a:p>
-            <a:endParaRPr lang="zh-CN" altLang="en-US" dirty="0"/>
+          <a:bodyPr>
+            <a:normAutofit/>
+          </a:bodyPr>
+          <a:lstStyle/>
+          <a:p>
+            <a:r>
+              <a:rPr lang="en-US" altLang="zh-CN" sz="1600" dirty="0" err="1" smtClean="0"/>
+              <a:t>Redux</a:t>
+            </a:r>
+            <a:endParaRPr lang="en-US" altLang="zh-CN" sz="1600" dirty="0" smtClean="0"/>
+          </a:p>
+          <a:p>
+            <a:pPr lvl="1"/>
+            <a:r>
+              <a:rPr lang="zh-CN" altLang="en-US" sz="1200" dirty="0" smtClean="0"/>
+              <a:t>异步处理上需要引入额外的类似</a:t>
+            </a:r>
+            <a:r>
+              <a:rPr lang="en-US" altLang="zh-CN" sz="1200" dirty="0" err="1" smtClean="0"/>
+              <a:t>redux-thunk</a:t>
+            </a:r>
+            <a:r>
+              <a:rPr lang="zh-CN" altLang="en-US" sz="1200" dirty="0" smtClean="0"/>
+              <a:t>、</a:t>
+            </a:r>
+            <a:r>
+              <a:rPr lang="en-US" altLang="zh-CN" sz="1200" dirty="0" err="1" smtClean="0"/>
+              <a:t>redux</a:t>
+            </a:r>
+            <a:r>
+              <a:rPr lang="en-US" altLang="zh-CN" sz="1200" dirty="0" smtClean="0"/>
+              <a:t>-saga</a:t>
+            </a:r>
+            <a:r>
+              <a:rPr lang="zh-CN" altLang="en-US" sz="1200" dirty="0" smtClean="0"/>
+              <a:t>这样的库。</a:t>
+            </a:r>
+            <a:endParaRPr lang="en-US" altLang="zh-CN" sz="1200" dirty="0" smtClean="0"/>
+          </a:p>
+          <a:p>
+            <a:pPr lvl="1"/>
+            <a:endParaRPr lang="en-US" altLang="zh-CN" sz="1200" dirty="0" smtClean="0"/>
+          </a:p>
+          <a:p>
+            <a:r>
+              <a:rPr lang="en-US" altLang="zh-CN" sz="1600" dirty="0" err="1" smtClean="0"/>
+              <a:t>Mobx</a:t>
+            </a:r>
+            <a:endParaRPr lang="en-US" altLang="zh-CN" sz="1600" dirty="0" smtClean="0"/>
+          </a:p>
+          <a:p>
+            <a:pPr lvl="1"/>
+            <a:r>
+              <a:rPr lang="zh-CN" altLang="en-US" sz="1200" dirty="0" smtClean="0"/>
+              <a:t>异步处理不需要额外的库</a:t>
+            </a:r>
+            <a:endParaRPr lang="en-US" altLang="zh-CN" sz="1200" dirty="0" smtClean="0"/>
+          </a:p>
+          <a:p>
+            <a:pPr lvl="1"/>
+            <a:r>
+              <a:rPr lang="zh-CN" altLang="en-US" sz="1200" dirty="0" smtClean="0"/>
+              <a:t>通过代理变量的</a:t>
+            </a:r>
+            <a:r>
+              <a:rPr lang="en-US" altLang="zh-CN" sz="1200" dirty="0" smtClean="0"/>
+              <a:t>getter</a:t>
+            </a:r>
+            <a:r>
+              <a:rPr lang="zh-CN" altLang="en-US" sz="1200" dirty="0" smtClean="0"/>
+              <a:t>和</a:t>
+            </a:r>
+            <a:r>
+              <a:rPr lang="en-US" altLang="zh-CN" sz="1200" dirty="0" smtClean="0"/>
+              <a:t>setter</a:t>
+            </a:r>
+            <a:r>
+              <a:rPr lang="zh-CN" altLang="en-US" sz="1200" dirty="0" smtClean="0"/>
+              <a:t>来实现的变量</a:t>
+            </a:r>
+            <a:r>
+              <a:rPr lang="zh-CN" altLang="en-US" sz="1200" smtClean="0"/>
+              <a:t>更新</a:t>
+            </a:r>
+            <a:r>
+              <a:rPr lang="zh-CN" altLang="en-US" sz="1200" smtClean="0"/>
+              <a:t>功能</a:t>
+            </a:r>
+            <a:endParaRPr lang="en-US" altLang="zh-CN" sz="1200" dirty="0" smtClean="0"/>
+          </a:p>
+          <a:p>
+            <a:pPr lvl="1"/>
+            <a:endParaRPr lang="en-US" altLang="zh-CN" sz="1200" dirty="0" smtClean="0"/>
           </a:p>
         </p:txBody>
       </p:sp>
